--- a/OpenClose_Schild/OpenClose_Schild.pptx
+++ b/OpenClose_Schild/OpenClose_Schild.pptx
@@ -201,7 +201,7 @@
           <a:p>
             <a:fld id="{DD7A25D8-F173-4133-85F8-CB962D678EB5}" type="datetimeFigureOut">
               <a:rPr lang="de-DE" smtClean="0"/>
-              <a:t>25.03.2020</a:t>
+              <a:t>14.05.2020</a:t>
             </a:fld>
             <a:endParaRPr lang="de-DE"/>
           </a:p>
@@ -599,7 +599,7 @@
           <a:p>
             <a:fld id="{FC9269F9-6F79-4414-A84E-D81C6C443C37}" type="datetimeFigureOut">
               <a:rPr lang="de-DE" smtClean="0"/>
-              <a:t>25.03.2020</a:t>
+              <a:t>14.05.2020</a:t>
             </a:fld>
             <a:endParaRPr lang="de-DE"/>
           </a:p>
@@ -1890,7 +1890,7 @@
           <a:p>
             <a:fld id="{FC9269F9-6F79-4414-A84E-D81C6C443C37}" type="datetimeFigureOut">
               <a:rPr lang="de-DE" smtClean="0"/>
-              <a:t>25.03.2020</a:t>
+              <a:t>14.05.2020</a:t>
             </a:fld>
             <a:endParaRPr lang="de-DE"/>
           </a:p>
@@ -2460,7 +2460,7 @@
           <a:p>
             <a:fld id="{FC9269F9-6F79-4414-A84E-D81C6C443C37}" type="datetimeFigureOut">
               <a:rPr lang="de-DE" smtClean="0"/>
-              <a:t>25.03.2020</a:t>
+              <a:t>14.05.2020</a:t>
             </a:fld>
             <a:endParaRPr lang="de-DE"/>
           </a:p>
@@ -3469,7 +3469,7 @@
           <a:p>
             <a:fld id="{FC9269F9-6F79-4414-A84E-D81C6C443C37}" type="datetimeFigureOut">
               <a:rPr lang="de-DE" smtClean="0"/>
-              <a:t>25.03.2020</a:t>
+              <a:t>14.05.2020</a:t>
             </a:fld>
             <a:endParaRPr lang="de-DE"/>
           </a:p>
@@ -3835,7 +3835,7 @@
           <a:p>
             <a:fld id="{FC9269F9-6F79-4414-A84E-D81C6C443C37}" type="datetimeFigureOut">
               <a:rPr lang="de-DE" smtClean="0"/>
-              <a:t>25.03.2020</a:t>
+              <a:t>14.05.2020</a:t>
             </a:fld>
             <a:endParaRPr lang="de-DE"/>
           </a:p>
@@ -4191,7 +4191,7 @@
           <a:p>
             <a:fld id="{FC9269F9-6F79-4414-A84E-D81C6C443C37}" type="datetimeFigureOut">
               <a:rPr lang="de-DE" smtClean="0"/>
-              <a:t>25.03.2020</a:t>
+              <a:t>14.05.2020</a:t>
             </a:fld>
             <a:endParaRPr lang="de-DE"/>
           </a:p>
@@ -4754,7 +4754,7 @@
           <a:p>
             <a:r>
               <a:rPr lang="de-DE" dirty="0"/>
-              <a:t>Dein eignes Projekt</a:t>
+              <a:t>Open-Close-Schild</a:t>
             </a:r>
           </a:p>
         </p:txBody>
@@ -4814,7 +4814,10 @@
           <a:bodyPr/>
           <a:lstStyle/>
           <a:p>
-            <a:endParaRPr lang="de-DE" dirty="0"/>
+            <a:r>
+              <a:rPr lang="de-DE" dirty="0"/>
+              <a:t>Für Einsteigerinnen</a:t>
+            </a:r>
           </a:p>
         </p:txBody>
       </p:sp>
